--- a/img/Presentacion.pptx
+++ b/img/Presentacion.pptx
@@ -6,6 +6,7 @@
   </p:sldMasterIdLst>
   <p:sldIdLst>
     <p:sldId id="256" r:id="rId2"/>
+    <p:sldId id="257" r:id="rId3"/>
   </p:sldIdLst>
   <p:sldSz cx="12192000" cy="6858000"/>
   <p:notesSz cx="6858000" cy="9144000"/>
@@ -104,6 +105,11 @@
       </a:defRPr>
     </a:lvl9pPr>
   </p:defaultTextStyle>
+  <p:extLst>
+    <p:ext uri="{EFAFB233-063F-42B5-8137-9DF3F51BA10A}">
+      <p15:sldGuideLst xmlns:p15="http://schemas.microsoft.com/office/powerpoint/2012/main"/>
+    </p:ext>
+  </p:extLst>
 </p:presentation>
 </file>
 
@@ -149,7 +155,7 @@
           </a:lstStyle>
           <a:p>
             <a:r>
-              <a:rPr lang="es-ES" smtClean="0"/>
+              <a:rPr lang="es-ES"/>
               <a:t>Haga clic para modificar el estilo de título del patrón</a:t>
             </a:r>
             <a:endParaRPr lang="es-PE"/>
@@ -214,7 +220,7 @@
           </a:lstStyle>
           <a:p>
             <a:r>
-              <a:rPr lang="es-ES" smtClean="0"/>
+              <a:rPr lang="es-ES"/>
               <a:t>Haga clic para editar el estilo de subtítulo del patrón</a:t>
             </a:r>
             <a:endParaRPr lang="es-PE"/>
@@ -238,7 +244,7 @@
           <a:p>
             <a:fld id="{DAD7010B-6E55-42B9-87CF-AE5FB3D69984}" type="datetimeFigureOut">
               <a:rPr lang="es-PE" smtClean="0"/>
-              <a:t>18/05/2020</a:t>
+              <a:t>20/07/2020</a:t>
             </a:fld>
             <a:endParaRPr lang="es-PE"/>
           </a:p>
@@ -332,7 +338,7 @@
           <a:lstStyle/>
           <a:p>
             <a:r>
-              <a:rPr lang="es-ES" smtClean="0"/>
+              <a:rPr lang="es-ES"/>
               <a:t>Haga clic para modificar el estilo de título del patrón</a:t>
             </a:r>
             <a:endParaRPr lang="es-PE"/>
@@ -356,35 +362,35 @@
           <a:p>
             <a:pPr lvl="0"/>
             <a:r>
-              <a:rPr lang="es-ES" smtClean="0"/>
+              <a:rPr lang="es-ES"/>
               <a:t>Editar el estilo de texto del patrón</a:t>
             </a:r>
           </a:p>
           <a:p>
             <a:pPr lvl="1"/>
             <a:r>
-              <a:rPr lang="es-ES" smtClean="0"/>
+              <a:rPr lang="es-ES"/>
               <a:t>Segundo nivel</a:t>
             </a:r>
           </a:p>
           <a:p>
             <a:pPr lvl="2"/>
             <a:r>
-              <a:rPr lang="es-ES" smtClean="0"/>
+              <a:rPr lang="es-ES"/>
               <a:t>Tercer nivel</a:t>
             </a:r>
           </a:p>
           <a:p>
             <a:pPr lvl="3"/>
             <a:r>
-              <a:rPr lang="es-ES" smtClean="0"/>
+              <a:rPr lang="es-ES"/>
               <a:t>Cuarto nivel</a:t>
             </a:r>
           </a:p>
           <a:p>
             <a:pPr lvl="4"/>
             <a:r>
-              <a:rPr lang="es-ES" smtClean="0"/>
+              <a:rPr lang="es-ES"/>
               <a:t>Quinto nivel</a:t>
             </a:r>
             <a:endParaRPr lang="es-PE"/>
@@ -408,7 +414,7 @@
           <a:p>
             <a:fld id="{DAD7010B-6E55-42B9-87CF-AE5FB3D69984}" type="datetimeFigureOut">
               <a:rPr lang="es-PE" smtClean="0"/>
-              <a:t>18/05/2020</a:t>
+              <a:t>20/07/2020</a:t>
             </a:fld>
             <a:endParaRPr lang="es-PE"/>
           </a:p>
@@ -507,7 +513,7 @@
           <a:lstStyle/>
           <a:p>
             <a:r>
-              <a:rPr lang="es-ES" smtClean="0"/>
+              <a:rPr lang="es-ES"/>
               <a:t>Haga clic para modificar el estilo de título del patrón</a:t>
             </a:r>
             <a:endParaRPr lang="es-PE"/>
@@ -536,35 +542,35 @@
           <a:p>
             <a:pPr lvl="0"/>
             <a:r>
-              <a:rPr lang="es-ES" smtClean="0"/>
+              <a:rPr lang="es-ES"/>
               <a:t>Editar el estilo de texto del patrón</a:t>
             </a:r>
           </a:p>
           <a:p>
             <a:pPr lvl="1"/>
             <a:r>
-              <a:rPr lang="es-ES" smtClean="0"/>
+              <a:rPr lang="es-ES"/>
               <a:t>Segundo nivel</a:t>
             </a:r>
           </a:p>
           <a:p>
             <a:pPr lvl="2"/>
             <a:r>
-              <a:rPr lang="es-ES" smtClean="0"/>
+              <a:rPr lang="es-ES"/>
               <a:t>Tercer nivel</a:t>
             </a:r>
           </a:p>
           <a:p>
             <a:pPr lvl="3"/>
             <a:r>
-              <a:rPr lang="es-ES" smtClean="0"/>
+              <a:rPr lang="es-ES"/>
               <a:t>Cuarto nivel</a:t>
             </a:r>
           </a:p>
           <a:p>
             <a:pPr lvl="4"/>
             <a:r>
-              <a:rPr lang="es-ES" smtClean="0"/>
+              <a:rPr lang="es-ES"/>
               <a:t>Quinto nivel</a:t>
             </a:r>
             <a:endParaRPr lang="es-PE"/>
@@ -588,7 +594,7 @@
           <a:p>
             <a:fld id="{DAD7010B-6E55-42B9-87CF-AE5FB3D69984}" type="datetimeFigureOut">
               <a:rPr lang="es-PE" smtClean="0"/>
-              <a:t>18/05/2020</a:t>
+              <a:t>20/07/2020</a:t>
             </a:fld>
             <a:endParaRPr lang="es-PE"/>
           </a:p>
@@ -682,7 +688,7 @@
           <a:lstStyle/>
           <a:p>
             <a:r>
-              <a:rPr lang="es-ES" smtClean="0"/>
+              <a:rPr lang="es-ES"/>
               <a:t>Haga clic para modificar el estilo de título del patrón</a:t>
             </a:r>
             <a:endParaRPr lang="es-PE"/>
@@ -706,35 +712,35 @@
           <a:p>
             <a:pPr lvl="0"/>
             <a:r>
-              <a:rPr lang="es-ES" smtClean="0"/>
+              <a:rPr lang="es-ES"/>
               <a:t>Editar el estilo de texto del patrón</a:t>
             </a:r>
           </a:p>
           <a:p>
             <a:pPr lvl="1"/>
             <a:r>
-              <a:rPr lang="es-ES" smtClean="0"/>
+              <a:rPr lang="es-ES"/>
               <a:t>Segundo nivel</a:t>
             </a:r>
           </a:p>
           <a:p>
             <a:pPr lvl="2"/>
             <a:r>
-              <a:rPr lang="es-ES" smtClean="0"/>
+              <a:rPr lang="es-ES"/>
               <a:t>Tercer nivel</a:t>
             </a:r>
           </a:p>
           <a:p>
             <a:pPr lvl="3"/>
             <a:r>
-              <a:rPr lang="es-ES" smtClean="0"/>
+              <a:rPr lang="es-ES"/>
               <a:t>Cuarto nivel</a:t>
             </a:r>
           </a:p>
           <a:p>
             <a:pPr lvl="4"/>
             <a:r>
-              <a:rPr lang="es-ES" smtClean="0"/>
+              <a:rPr lang="es-ES"/>
               <a:t>Quinto nivel</a:t>
             </a:r>
             <a:endParaRPr lang="es-PE"/>
@@ -758,7 +764,7 @@
           <a:p>
             <a:fld id="{DAD7010B-6E55-42B9-87CF-AE5FB3D69984}" type="datetimeFigureOut">
               <a:rPr lang="es-PE" smtClean="0"/>
-              <a:t>18/05/2020</a:t>
+              <a:t>20/07/2020</a:t>
             </a:fld>
             <a:endParaRPr lang="es-PE"/>
           </a:p>
@@ -861,7 +867,7 @@
           </a:lstStyle>
           <a:p>
             <a:r>
-              <a:rPr lang="es-ES" smtClean="0"/>
+              <a:rPr lang="es-ES"/>
               <a:t>Haga clic para modificar el estilo de título del patrón</a:t>
             </a:r>
             <a:endParaRPr lang="es-PE"/>
@@ -981,7 +987,7 @@
           <a:p>
             <a:pPr lvl="0"/>
             <a:r>
-              <a:rPr lang="es-ES" smtClean="0"/>
+              <a:rPr lang="es-ES"/>
               <a:t>Editar el estilo de texto del patrón</a:t>
             </a:r>
           </a:p>
@@ -1004,7 +1010,7 @@
           <a:p>
             <a:fld id="{DAD7010B-6E55-42B9-87CF-AE5FB3D69984}" type="datetimeFigureOut">
               <a:rPr lang="es-PE" smtClean="0"/>
-              <a:t>18/05/2020</a:t>
+              <a:t>20/07/2020</a:t>
             </a:fld>
             <a:endParaRPr lang="es-PE"/>
           </a:p>
@@ -1098,7 +1104,7 @@
           <a:lstStyle/>
           <a:p>
             <a:r>
-              <a:rPr lang="es-ES" smtClean="0"/>
+              <a:rPr lang="es-ES"/>
               <a:t>Haga clic para modificar el estilo de título del patrón</a:t>
             </a:r>
             <a:endParaRPr lang="es-PE"/>
@@ -1127,35 +1133,35 @@
           <a:p>
             <a:pPr lvl="0"/>
             <a:r>
-              <a:rPr lang="es-ES" smtClean="0"/>
+              <a:rPr lang="es-ES"/>
               <a:t>Editar el estilo de texto del patrón</a:t>
             </a:r>
           </a:p>
           <a:p>
             <a:pPr lvl="1"/>
             <a:r>
-              <a:rPr lang="es-ES" smtClean="0"/>
+              <a:rPr lang="es-ES"/>
               <a:t>Segundo nivel</a:t>
             </a:r>
           </a:p>
           <a:p>
             <a:pPr lvl="2"/>
             <a:r>
-              <a:rPr lang="es-ES" smtClean="0"/>
+              <a:rPr lang="es-ES"/>
               <a:t>Tercer nivel</a:t>
             </a:r>
           </a:p>
           <a:p>
             <a:pPr lvl="3"/>
             <a:r>
-              <a:rPr lang="es-ES" smtClean="0"/>
+              <a:rPr lang="es-ES"/>
               <a:t>Cuarto nivel</a:t>
             </a:r>
           </a:p>
           <a:p>
             <a:pPr lvl="4"/>
             <a:r>
-              <a:rPr lang="es-ES" smtClean="0"/>
+              <a:rPr lang="es-ES"/>
               <a:t>Quinto nivel</a:t>
             </a:r>
             <a:endParaRPr lang="es-PE"/>
@@ -1184,35 +1190,35 @@
           <a:p>
             <a:pPr lvl="0"/>
             <a:r>
-              <a:rPr lang="es-ES" smtClean="0"/>
+              <a:rPr lang="es-ES"/>
               <a:t>Editar el estilo de texto del patrón</a:t>
             </a:r>
           </a:p>
           <a:p>
             <a:pPr lvl="1"/>
             <a:r>
-              <a:rPr lang="es-ES" smtClean="0"/>
+              <a:rPr lang="es-ES"/>
               <a:t>Segundo nivel</a:t>
             </a:r>
           </a:p>
           <a:p>
             <a:pPr lvl="2"/>
             <a:r>
-              <a:rPr lang="es-ES" smtClean="0"/>
+              <a:rPr lang="es-ES"/>
               <a:t>Tercer nivel</a:t>
             </a:r>
           </a:p>
           <a:p>
             <a:pPr lvl="3"/>
             <a:r>
-              <a:rPr lang="es-ES" smtClean="0"/>
+              <a:rPr lang="es-ES"/>
               <a:t>Cuarto nivel</a:t>
             </a:r>
           </a:p>
           <a:p>
             <a:pPr lvl="4"/>
             <a:r>
-              <a:rPr lang="es-ES" smtClean="0"/>
+              <a:rPr lang="es-ES"/>
               <a:t>Quinto nivel</a:t>
             </a:r>
             <a:endParaRPr lang="es-PE"/>
@@ -1236,7 +1242,7 @@
           <a:p>
             <a:fld id="{DAD7010B-6E55-42B9-87CF-AE5FB3D69984}" type="datetimeFigureOut">
               <a:rPr lang="es-PE" smtClean="0"/>
-              <a:t>18/05/2020</a:t>
+              <a:t>20/07/2020</a:t>
             </a:fld>
             <a:endParaRPr lang="es-PE"/>
           </a:p>
@@ -1335,7 +1341,7 @@
           <a:lstStyle/>
           <a:p>
             <a:r>
-              <a:rPr lang="es-ES" smtClean="0"/>
+              <a:rPr lang="es-ES"/>
               <a:t>Haga clic para modificar el estilo de título del patrón</a:t>
             </a:r>
             <a:endParaRPr lang="es-PE"/>
@@ -1401,7 +1407,7 @@
           <a:p>
             <a:pPr lvl="0"/>
             <a:r>
-              <a:rPr lang="es-ES" smtClean="0"/>
+              <a:rPr lang="es-ES"/>
               <a:t>Editar el estilo de texto del patrón</a:t>
             </a:r>
           </a:p>
@@ -1429,35 +1435,35 @@
           <a:p>
             <a:pPr lvl="0"/>
             <a:r>
-              <a:rPr lang="es-ES" smtClean="0"/>
+              <a:rPr lang="es-ES"/>
               <a:t>Editar el estilo de texto del patrón</a:t>
             </a:r>
           </a:p>
           <a:p>
             <a:pPr lvl="1"/>
             <a:r>
-              <a:rPr lang="es-ES" smtClean="0"/>
+              <a:rPr lang="es-ES"/>
               <a:t>Segundo nivel</a:t>
             </a:r>
           </a:p>
           <a:p>
             <a:pPr lvl="2"/>
             <a:r>
-              <a:rPr lang="es-ES" smtClean="0"/>
+              <a:rPr lang="es-ES"/>
               <a:t>Tercer nivel</a:t>
             </a:r>
           </a:p>
           <a:p>
             <a:pPr lvl="3"/>
             <a:r>
-              <a:rPr lang="es-ES" smtClean="0"/>
+              <a:rPr lang="es-ES"/>
               <a:t>Cuarto nivel</a:t>
             </a:r>
           </a:p>
           <a:p>
             <a:pPr lvl="4"/>
             <a:r>
-              <a:rPr lang="es-ES" smtClean="0"/>
+              <a:rPr lang="es-ES"/>
               <a:t>Quinto nivel</a:t>
             </a:r>
             <a:endParaRPr lang="es-PE"/>
@@ -1523,7 +1529,7 @@
           <a:p>
             <a:pPr lvl="0"/>
             <a:r>
-              <a:rPr lang="es-ES" smtClean="0"/>
+              <a:rPr lang="es-ES"/>
               <a:t>Editar el estilo de texto del patrón</a:t>
             </a:r>
           </a:p>
@@ -1551,35 +1557,35 @@
           <a:p>
             <a:pPr lvl="0"/>
             <a:r>
-              <a:rPr lang="es-ES" smtClean="0"/>
+              <a:rPr lang="es-ES"/>
               <a:t>Editar el estilo de texto del patrón</a:t>
             </a:r>
           </a:p>
           <a:p>
             <a:pPr lvl="1"/>
             <a:r>
-              <a:rPr lang="es-ES" smtClean="0"/>
+              <a:rPr lang="es-ES"/>
               <a:t>Segundo nivel</a:t>
             </a:r>
           </a:p>
           <a:p>
             <a:pPr lvl="2"/>
             <a:r>
-              <a:rPr lang="es-ES" smtClean="0"/>
+              <a:rPr lang="es-ES"/>
               <a:t>Tercer nivel</a:t>
             </a:r>
           </a:p>
           <a:p>
             <a:pPr lvl="3"/>
             <a:r>
-              <a:rPr lang="es-ES" smtClean="0"/>
+              <a:rPr lang="es-ES"/>
               <a:t>Cuarto nivel</a:t>
             </a:r>
           </a:p>
           <a:p>
             <a:pPr lvl="4"/>
             <a:r>
-              <a:rPr lang="es-ES" smtClean="0"/>
+              <a:rPr lang="es-ES"/>
               <a:t>Quinto nivel</a:t>
             </a:r>
             <a:endParaRPr lang="es-PE"/>
@@ -1603,7 +1609,7 @@
           <a:p>
             <a:fld id="{DAD7010B-6E55-42B9-87CF-AE5FB3D69984}" type="datetimeFigureOut">
               <a:rPr lang="es-PE" smtClean="0"/>
-              <a:t>18/05/2020</a:t>
+              <a:t>20/07/2020</a:t>
             </a:fld>
             <a:endParaRPr lang="es-PE"/>
           </a:p>
@@ -1697,7 +1703,7 @@
           <a:lstStyle/>
           <a:p>
             <a:r>
-              <a:rPr lang="es-ES" smtClean="0"/>
+              <a:rPr lang="es-ES"/>
               <a:t>Haga clic para modificar el estilo de título del patrón</a:t>
             </a:r>
             <a:endParaRPr lang="es-PE"/>
@@ -1721,7 +1727,7 @@
           <a:p>
             <a:fld id="{DAD7010B-6E55-42B9-87CF-AE5FB3D69984}" type="datetimeFigureOut">
               <a:rPr lang="es-PE" smtClean="0"/>
-              <a:t>18/05/2020</a:t>
+              <a:t>20/07/2020</a:t>
             </a:fld>
             <a:endParaRPr lang="es-PE"/>
           </a:p>
@@ -1816,7 +1822,7 @@
           <a:p>
             <a:fld id="{DAD7010B-6E55-42B9-87CF-AE5FB3D69984}" type="datetimeFigureOut">
               <a:rPr lang="es-PE" smtClean="0"/>
-              <a:t>18/05/2020</a:t>
+              <a:t>20/07/2020</a:t>
             </a:fld>
             <a:endParaRPr lang="es-PE"/>
           </a:p>
@@ -1919,7 +1925,7 @@
           </a:lstStyle>
           <a:p>
             <a:r>
-              <a:rPr lang="es-ES" smtClean="0"/>
+              <a:rPr lang="es-ES"/>
               <a:t>Haga clic para modificar el estilo de título del patrón</a:t>
             </a:r>
             <a:endParaRPr lang="es-PE"/>
@@ -1976,35 +1982,35 @@
           <a:p>
             <a:pPr lvl="0"/>
             <a:r>
-              <a:rPr lang="es-ES" smtClean="0"/>
+              <a:rPr lang="es-ES"/>
               <a:t>Editar el estilo de texto del patrón</a:t>
             </a:r>
           </a:p>
           <a:p>
             <a:pPr lvl="1"/>
             <a:r>
-              <a:rPr lang="es-ES" smtClean="0"/>
+              <a:rPr lang="es-ES"/>
               <a:t>Segundo nivel</a:t>
             </a:r>
           </a:p>
           <a:p>
             <a:pPr lvl="2"/>
             <a:r>
-              <a:rPr lang="es-ES" smtClean="0"/>
+              <a:rPr lang="es-ES"/>
               <a:t>Tercer nivel</a:t>
             </a:r>
           </a:p>
           <a:p>
             <a:pPr lvl="3"/>
             <a:r>
-              <a:rPr lang="es-ES" smtClean="0"/>
+              <a:rPr lang="es-ES"/>
               <a:t>Cuarto nivel</a:t>
             </a:r>
           </a:p>
           <a:p>
             <a:pPr lvl="4"/>
             <a:r>
-              <a:rPr lang="es-ES" smtClean="0"/>
+              <a:rPr lang="es-ES"/>
               <a:t>Quinto nivel</a:t>
             </a:r>
             <a:endParaRPr lang="es-PE"/>
@@ -2070,7 +2076,7 @@
           <a:p>
             <a:pPr lvl="0"/>
             <a:r>
-              <a:rPr lang="es-ES" smtClean="0"/>
+              <a:rPr lang="es-ES"/>
               <a:t>Editar el estilo de texto del patrón</a:t>
             </a:r>
           </a:p>
@@ -2093,7 +2099,7 @@
           <a:p>
             <a:fld id="{DAD7010B-6E55-42B9-87CF-AE5FB3D69984}" type="datetimeFigureOut">
               <a:rPr lang="es-PE" smtClean="0"/>
-              <a:t>18/05/2020</a:t>
+              <a:t>20/07/2020</a:t>
             </a:fld>
             <a:endParaRPr lang="es-PE"/>
           </a:p>
@@ -2196,7 +2202,7 @@
           </a:lstStyle>
           <a:p>
             <a:r>
-              <a:rPr lang="es-ES" smtClean="0"/>
+              <a:rPr lang="es-ES"/>
               <a:t>Haga clic para modificar el estilo de título del patrón</a:t>
             </a:r>
             <a:endParaRPr lang="es-PE"/>
@@ -2323,7 +2329,7 @@
           <a:p>
             <a:pPr lvl="0"/>
             <a:r>
-              <a:rPr lang="es-ES" smtClean="0"/>
+              <a:rPr lang="es-ES"/>
               <a:t>Editar el estilo de texto del patrón</a:t>
             </a:r>
           </a:p>
@@ -2346,7 +2352,7 @@
           <a:p>
             <a:fld id="{DAD7010B-6E55-42B9-87CF-AE5FB3D69984}" type="datetimeFigureOut">
               <a:rPr lang="es-PE" smtClean="0"/>
-              <a:t>18/05/2020</a:t>
+              <a:t>20/07/2020</a:t>
             </a:fld>
             <a:endParaRPr lang="es-PE"/>
           </a:p>
@@ -2455,7 +2461,7 @@
           <a:lstStyle/>
           <a:p>
             <a:r>
-              <a:rPr lang="es-ES" smtClean="0"/>
+              <a:rPr lang="es-ES"/>
               <a:t>Haga clic para modificar el estilo de título del patrón</a:t>
             </a:r>
             <a:endParaRPr lang="es-PE"/>
@@ -2489,35 +2495,35 @@
           <a:p>
             <a:pPr lvl="0"/>
             <a:r>
-              <a:rPr lang="es-ES" smtClean="0"/>
+              <a:rPr lang="es-ES"/>
               <a:t>Editar el estilo de texto del patrón</a:t>
             </a:r>
           </a:p>
           <a:p>
             <a:pPr lvl="1"/>
             <a:r>
-              <a:rPr lang="es-ES" smtClean="0"/>
+              <a:rPr lang="es-ES"/>
               <a:t>Segundo nivel</a:t>
             </a:r>
           </a:p>
           <a:p>
             <a:pPr lvl="2"/>
             <a:r>
-              <a:rPr lang="es-ES" smtClean="0"/>
+              <a:rPr lang="es-ES"/>
               <a:t>Tercer nivel</a:t>
             </a:r>
           </a:p>
           <a:p>
             <a:pPr lvl="3"/>
             <a:r>
-              <a:rPr lang="es-ES" smtClean="0"/>
+              <a:rPr lang="es-ES"/>
               <a:t>Cuarto nivel</a:t>
             </a:r>
           </a:p>
           <a:p>
             <a:pPr lvl="4"/>
             <a:r>
-              <a:rPr lang="es-ES" smtClean="0"/>
+              <a:rPr lang="es-ES"/>
               <a:t>Quinto nivel</a:t>
             </a:r>
             <a:endParaRPr lang="es-PE"/>
@@ -2559,7 +2565,7 @@
           <a:p>
             <a:fld id="{DAD7010B-6E55-42B9-87CF-AE5FB3D69984}" type="datetimeFigureOut">
               <a:rPr lang="es-PE" smtClean="0"/>
-              <a:t>18/05/2020</a:t>
+              <a:t>20/07/2020</a:t>
             </a:fld>
             <a:endParaRPr lang="es-PE"/>
           </a:p>
@@ -3154,9 +3160,7 @@
             <a:avLst/>
           </a:prstGeom>
           <a:solidFill>
-            <a:schemeClr val="bg1">
-              <a:lumMod val="95000"/>
-            </a:schemeClr>
+            <a:schemeClr val="bg1"/>
           </a:solidFill>
         </p:spPr>
         <p:txBody>
@@ -3166,10 +3170,11 @@
           <a:lstStyle/>
           <a:p>
             <a:r>
-              <a:rPr lang="es-PE" b="1" dirty="0" smtClean="0">
+              <a:rPr lang="es-PE" b="1" dirty="0">
                 <a:solidFill>
-                  <a:schemeClr val="accent5">
-                    <a:lumMod val="50000"/>
+                  <a:schemeClr val="tx1">
+                    <a:lumMod val="95000"/>
+                    <a:lumOff val="5000"/>
                   </a:schemeClr>
                 </a:solidFill>
                 <a:latin typeface="Arial Nova" panose="020B0504020202020204" pitchFamily="34" charset="0"/>
@@ -3179,7 +3184,7 @@
           </a:p>
           <a:p>
             <a:r>
-              <a:rPr lang="es-PE" b="1" dirty="0" smtClean="0">
+              <a:rPr lang="es-PE" b="1" dirty="0">
                 <a:solidFill>
                   <a:schemeClr val="tx1">
                     <a:lumMod val="65000"/>
@@ -3190,15 +3195,6 @@
               </a:rPr>
               <a:t>Aprende las mejores prácticas</a:t>
             </a:r>
-            <a:endParaRPr lang="es-PE" b="1" dirty="0">
-              <a:solidFill>
-                <a:schemeClr val="tx1">
-                  <a:lumMod val="65000"/>
-                  <a:lumOff val="35000"/>
-                </a:schemeClr>
-              </a:solidFill>
-              <a:latin typeface="Arial Nova" panose="020B0504020202020204" pitchFamily="34" charset="0"/>
-            </a:endParaRPr>
           </a:p>
         </p:txBody>
       </p:sp>
@@ -3210,16 +3206,14 @@
         </p:nvSpPr>
         <p:spPr>
           <a:xfrm>
-            <a:off x="7782128" y="1773653"/>
+            <a:off x="7782128" y="1826919"/>
             <a:ext cx="3891063" cy="1619999"/>
           </a:xfrm>
           <a:prstGeom prst="rect">
             <a:avLst/>
           </a:prstGeom>
           <a:solidFill>
-            <a:schemeClr val="bg1">
-              <a:lumMod val="95000"/>
-            </a:schemeClr>
+            <a:schemeClr val="bg1"/>
           </a:solidFill>
         </p:spPr>
         <p:txBody>
@@ -3229,10 +3223,11 @@
           <a:lstStyle/>
           <a:p>
             <a:r>
-              <a:rPr lang="es-PE" b="1" dirty="0" smtClean="0">
+              <a:rPr lang="es-PE" b="1" dirty="0">
                 <a:solidFill>
-                  <a:schemeClr val="accent5">
-                    <a:lumMod val="50000"/>
+                  <a:schemeClr val="tx1">
+                    <a:lumMod val="95000"/>
+                    <a:lumOff val="5000"/>
                   </a:schemeClr>
                 </a:solidFill>
                 <a:latin typeface="Arial Nova" panose="020B0504020202020204" pitchFamily="34" charset="0"/>
@@ -3242,7 +3237,7 @@
           </a:p>
           <a:p>
             <a:r>
-              <a:rPr lang="es-PE" b="1" dirty="0" smtClean="0">
+              <a:rPr lang="es-PE" b="1" dirty="0">
                 <a:solidFill>
                   <a:schemeClr val="tx1">
                     <a:lumMod val="65000"/>
@@ -3253,15 +3248,6 @@
               </a:rPr>
               <a:t>Aprende programación en capas, patrones y buenas prácticas</a:t>
             </a:r>
-            <a:endParaRPr lang="es-PE" b="1" dirty="0">
-              <a:solidFill>
-                <a:schemeClr val="tx1">
-                  <a:lumMod val="65000"/>
-                  <a:lumOff val="35000"/>
-                </a:schemeClr>
-              </a:solidFill>
-              <a:latin typeface="Arial Nova" panose="020B0504020202020204" pitchFamily="34" charset="0"/>
-            </a:endParaRPr>
           </a:p>
         </p:txBody>
       </p:sp>
@@ -3280,9 +3266,7 @@
             <a:avLst/>
           </a:prstGeom>
           <a:solidFill>
-            <a:schemeClr val="bg1">
-              <a:lumMod val="95000"/>
-            </a:schemeClr>
+            <a:schemeClr val="bg1"/>
           </a:solidFill>
         </p:spPr>
         <p:txBody>
@@ -3292,10 +3276,11 @@
           <a:lstStyle/>
           <a:p>
             <a:r>
-              <a:rPr lang="es-PE" b="1" dirty="0" smtClean="0">
+              <a:rPr lang="es-PE" b="1" dirty="0">
                 <a:solidFill>
-                  <a:schemeClr val="accent5">
-                    <a:lumMod val="50000"/>
+                  <a:schemeClr val="tx1">
+                    <a:lumMod val="95000"/>
+                    <a:lumOff val="5000"/>
                   </a:schemeClr>
                 </a:solidFill>
                 <a:latin typeface="Arial Nova" panose="020B0504020202020204" pitchFamily="34" charset="0"/>
@@ -3305,7 +3290,7 @@
           </a:p>
           <a:p>
             <a:r>
-              <a:rPr lang="es-PE" b="1" dirty="0" smtClean="0">
+              <a:rPr lang="es-PE" b="1" dirty="0">
                 <a:solidFill>
                   <a:schemeClr val="tx1">
                     <a:lumMod val="65000"/>
@@ -3316,15 +3301,6 @@
               </a:rPr>
               <a:t>Aprende a obtener el mejor rendimiento de tú base de datos</a:t>
             </a:r>
-            <a:endParaRPr lang="es-PE" b="1" dirty="0">
-              <a:solidFill>
-                <a:schemeClr val="tx1">
-                  <a:lumMod val="65000"/>
-                  <a:lumOff val="35000"/>
-                </a:schemeClr>
-              </a:solidFill>
-              <a:latin typeface="Arial Nova" panose="020B0504020202020204" pitchFamily="34" charset="0"/>
-            </a:endParaRPr>
           </a:p>
         </p:txBody>
       </p:sp>
@@ -3343,9 +3319,7 @@
             <a:avLst/>
           </a:prstGeom>
           <a:solidFill>
-            <a:schemeClr val="bg1">
-              <a:lumMod val="95000"/>
-            </a:schemeClr>
+            <a:schemeClr val="bg1"/>
           </a:solidFill>
         </p:spPr>
         <p:txBody>
@@ -3355,10 +3329,11 @@
           <a:lstStyle/>
           <a:p>
             <a:r>
-              <a:rPr lang="es-PE" b="1" dirty="0" smtClean="0">
+              <a:rPr lang="es-PE" b="1" dirty="0">
                 <a:solidFill>
-                  <a:schemeClr val="accent5">
-                    <a:lumMod val="50000"/>
+                  <a:schemeClr val="tx1">
+                    <a:lumMod val="95000"/>
+                    <a:lumOff val="5000"/>
                   </a:schemeClr>
                 </a:solidFill>
                 <a:latin typeface="Arial Nova" panose="020B0504020202020204" pitchFamily="34" charset="0"/>
@@ -3368,7 +3343,7 @@
           </a:p>
           <a:p>
             <a:r>
-              <a:rPr lang="es-PE" b="1" dirty="0" smtClean="0">
+              <a:rPr lang="es-PE" b="1" dirty="0">
                 <a:solidFill>
                   <a:schemeClr val="tx1">
                     <a:lumMod val="65000"/>
@@ -3379,15 +3354,6 @@
               </a:rPr>
               <a:t>Aprende a programar correctamente con JDBC</a:t>
             </a:r>
-            <a:endParaRPr lang="es-PE" b="1" dirty="0">
-              <a:solidFill>
-                <a:schemeClr val="tx1">
-                  <a:lumMod val="65000"/>
-                  <a:lumOff val="35000"/>
-                </a:schemeClr>
-              </a:solidFill>
-              <a:latin typeface="Arial Nova" panose="020B0504020202020204" pitchFamily="34" charset="0"/>
-            </a:endParaRPr>
           </a:p>
         </p:txBody>
       </p:sp>
@@ -3439,14 +3405,11 @@
           <a:p>
             <a:pPr algn="ctr"/>
             <a:r>
-              <a:rPr lang="es-PE" sz="2400" b="1" dirty="0" smtClean="0">
+              <a:rPr lang="es-PE" sz="2400" b="1" dirty="0">
                 <a:latin typeface="Arial Narrow" panose="020B0606020202030204" pitchFamily="34" charset="0"/>
               </a:rPr>
               <a:t>https://github.com/gcoronelc/UDEMY</a:t>
             </a:r>
-            <a:endParaRPr lang="es-PE" sz="2400" b="1" dirty="0">
-              <a:latin typeface="Arial Narrow" panose="020B0606020202030204" pitchFamily="34" charset="0"/>
-            </a:endParaRPr>
           </a:p>
         </p:txBody>
       </p:sp>
@@ -3460,13 +3423,433 @@
   <p:clrMapOvr>
     <a:masterClrMapping/>
   </p:clrMapOvr>
-  <p:timing>
-    <p:tnLst>
-      <p:par>
-        <p:cTn id="1" dur="indefinite" restart="never" nodeType="tmRoot"/>
-      </p:par>
-    </p:tnLst>
-  </p:timing>
+</p:sld>
+</file>
+
+<file path=ppt/slides/slide2.xml><?xml version="1.0" encoding="utf-8"?>
+<p:sld xmlns:a="http://schemas.openxmlformats.org/drawingml/2006/main" xmlns:r="http://schemas.openxmlformats.org/officeDocument/2006/relationships" xmlns:p="http://schemas.openxmlformats.org/presentationml/2006/main">
+  <p:cSld>
+    <p:bg>
+      <p:bgPr>
+        <a:solidFill>
+          <a:schemeClr val="bg1"/>
+        </a:solidFill>
+        <a:effectLst/>
+      </p:bgPr>
+    </p:bg>
+    <p:spTree>
+      <p:nvGrpSpPr>
+        <p:cNvPr id="1" name=""/>
+        <p:cNvGrpSpPr/>
+        <p:nvPr/>
+      </p:nvGrpSpPr>
+      <p:grpSpPr>
+        <a:xfrm>
+          <a:off x="0" y="0"/>
+          <a:ext cx="0" cy="0"/>
+          <a:chOff x="0" y="0"/>
+          <a:chExt cx="0" cy="0"/>
+        </a:xfrm>
+      </p:grpSpPr>
+      <p:pic>
+        <p:nvPicPr>
+          <p:cNvPr id="1026" name="Picture 2" descr="https://avatars1.githubusercontent.com/u/3131952?s=400&amp;u=9ff780bfb7e5c87212a08ee7426af4d08ad12b3a&amp;v=4"/>
+          <p:cNvPicPr>
+            <a:picLocks noChangeAspect="1" noChangeArrowheads="1"/>
+          </p:cNvPicPr>
+          <p:nvPr/>
+        </p:nvPicPr>
+        <p:blipFill>
+          <a:blip r:embed="rId2">
+            <a:extLst>
+              <a:ext uri="{28A0092B-C50C-407E-A947-70E740481C1C}">
+                <a14:useLocalDpi xmlns:a14="http://schemas.microsoft.com/office/drawing/2010/main" val="0"/>
+              </a:ext>
+            </a:extLst>
+          </a:blip>
+          <a:srcRect/>
+          <a:stretch>
+            <a:fillRect/>
+          </a:stretch>
+        </p:blipFill>
+        <p:spPr bwMode="auto">
+          <a:xfrm>
+            <a:off x="1114978" y="349802"/>
+            <a:ext cx="2513440" cy="2513440"/>
+          </a:xfrm>
+          <a:prstGeom prst="rect">
+            <a:avLst/>
+          </a:prstGeom>
+          <a:noFill/>
+          <a:extLst>
+            <a:ext uri="{909E8E84-426E-40DD-AFC4-6F175D3DCCD1}">
+              <a14:hiddenFill xmlns:a14="http://schemas.microsoft.com/office/drawing/2010/main">
+                <a:solidFill>
+                  <a:srgbClr val="FFFFFF"/>
+                </a:solidFill>
+              </a14:hiddenFill>
+            </a:ext>
+          </a:extLst>
+        </p:spPr>
+      </p:pic>
+      <p:pic>
+        <p:nvPicPr>
+          <p:cNvPr id="6" name="Imagen 5"/>
+          <p:cNvPicPr>
+            <a:picLocks noChangeAspect="1"/>
+          </p:cNvPicPr>
+          <p:nvPr/>
+        </p:nvPicPr>
+        <p:blipFill>
+          <a:blip r:embed="rId3">
+            <a:extLst>
+              <a:ext uri="{28A0092B-C50C-407E-A947-70E740481C1C}">
+                <a14:useLocalDpi xmlns:a14="http://schemas.microsoft.com/office/drawing/2010/main" val="0"/>
+              </a:ext>
+            </a:extLst>
+          </a:blip>
+          <a:stretch>
+            <a:fillRect/>
+          </a:stretch>
+        </p:blipFill>
+        <p:spPr>
+          <a:xfrm>
+            <a:off x="733991" y="2863242"/>
+            <a:ext cx="3486637" cy="1028844"/>
+          </a:xfrm>
+          <a:prstGeom prst="rect">
+            <a:avLst/>
+          </a:prstGeom>
+        </p:spPr>
+      </p:pic>
+      <p:pic>
+        <p:nvPicPr>
+          <p:cNvPr id="8" name="Imagen 7"/>
+          <p:cNvPicPr>
+            <a:picLocks noChangeAspect="1"/>
+          </p:cNvPicPr>
+          <p:nvPr/>
+        </p:nvPicPr>
+        <p:blipFill>
+          <a:blip r:embed="rId4"/>
+          <a:stretch>
+            <a:fillRect/>
+          </a:stretch>
+        </p:blipFill>
+        <p:spPr>
+          <a:xfrm>
+            <a:off x="5983406" y="572959"/>
+            <a:ext cx="1292848" cy="1260000"/>
+          </a:xfrm>
+          <a:prstGeom prst="rect">
+            <a:avLst/>
+          </a:prstGeom>
+        </p:spPr>
+      </p:pic>
+      <p:pic>
+        <p:nvPicPr>
+          <p:cNvPr id="9" name="Imagen 8"/>
+          <p:cNvPicPr>
+            <a:picLocks noChangeAspect="1"/>
+          </p:cNvPicPr>
+          <p:nvPr/>
+        </p:nvPicPr>
+        <p:blipFill>
+          <a:blip r:embed="rId5"/>
+          <a:stretch>
+            <a:fillRect/>
+          </a:stretch>
+        </p:blipFill>
+        <p:spPr>
+          <a:xfrm>
+            <a:off x="5877251" y="1890726"/>
+            <a:ext cx="1505158" cy="1260000"/>
+          </a:xfrm>
+          <a:prstGeom prst="rect">
+            <a:avLst/>
+          </a:prstGeom>
+        </p:spPr>
+      </p:pic>
+      <p:pic>
+        <p:nvPicPr>
+          <p:cNvPr id="10" name="Imagen 9"/>
+          <p:cNvPicPr>
+            <a:picLocks noChangeAspect="1"/>
+          </p:cNvPicPr>
+          <p:nvPr/>
+        </p:nvPicPr>
+        <p:blipFill>
+          <a:blip r:embed="rId6"/>
+          <a:stretch>
+            <a:fillRect/>
+          </a:stretch>
+        </p:blipFill>
+        <p:spPr>
+          <a:xfrm>
+            <a:off x="5945847" y="3306640"/>
+            <a:ext cx="1290118" cy="1260000"/>
+          </a:xfrm>
+          <a:prstGeom prst="rect">
+            <a:avLst/>
+          </a:prstGeom>
+        </p:spPr>
+      </p:pic>
+      <p:pic>
+        <p:nvPicPr>
+          <p:cNvPr id="11" name="Imagen 10"/>
+          <p:cNvPicPr>
+            <a:picLocks noChangeAspect="1"/>
+          </p:cNvPicPr>
+          <p:nvPr/>
+        </p:nvPicPr>
+        <p:blipFill>
+          <a:blip r:embed="rId7"/>
+          <a:stretch>
+            <a:fillRect/>
+          </a:stretch>
+        </p:blipFill>
+        <p:spPr>
+          <a:xfrm>
+            <a:off x="5768046" y="4689907"/>
+            <a:ext cx="1645719" cy="1260000"/>
+          </a:xfrm>
+          <a:prstGeom prst="rect">
+            <a:avLst/>
+          </a:prstGeom>
+        </p:spPr>
+      </p:pic>
+      <p:sp>
+        <p:nvSpPr>
+          <p:cNvPr id="12" name="CuadroTexto 11"/>
+          <p:cNvSpPr txBox="1"/>
+          <p:nvPr/>
+        </p:nvSpPr>
+        <p:spPr>
+          <a:xfrm>
+            <a:off x="7782128" y="164976"/>
+            <a:ext cx="3891063" cy="6297968"/>
+          </a:xfrm>
+          <a:prstGeom prst="rect">
+            <a:avLst/>
+          </a:prstGeom>
+          <a:solidFill>
+            <a:schemeClr val="bg1"/>
+          </a:solidFill>
+        </p:spPr>
+        <p:txBody>
+          <a:bodyPr wrap="square" rtlCol="0" anchor="ctr" anchorCtr="0">
+            <a:noAutofit/>
+          </a:bodyPr>
+          <a:lstStyle/>
+          <a:p>
+            <a:r>
+              <a:rPr lang="es-PE" sz="2000" b="1" dirty="0">
+                <a:solidFill>
+                  <a:schemeClr val="tx2">
+                    <a:lumMod val="50000"/>
+                  </a:schemeClr>
+                </a:solidFill>
+                <a:latin typeface="Arial Nova" panose="020B0504020202020204" pitchFamily="34" charset="0"/>
+              </a:rPr>
+              <a:t>FUNDAMENTOS DE PROGRAMACIÓN CON JAVA</a:t>
+            </a:r>
+          </a:p>
+          <a:p>
+            <a:r>
+              <a:rPr lang="es-PE" dirty="0">
+                <a:solidFill>
+                  <a:schemeClr val="tx1">
+                    <a:lumMod val="50000"/>
+                    <a:lumOff val="50000"/>
+                  </a:schemeClr>
+                </a:solidFill>
+                <a:latin typeface="Arial Nova" panose="020B0504020202020204" pitchFamily="34" charset="0"/>
+              </a:rPr>
+              <a:t>Aprende las mejores prácticas</a:t>
+            </a:r>
+          </a:p>
+          <a:p>
+            <a:endParaRPr lang="es-PE" dirty="0">
+              <a:solidFill>
+                <a:schemeClr val="tx1">
+                  <a:lumMod val="50000"/>
+                  <a:lumOff val="50000"/>
+                </a:schemeClr>
+              </a:solidFill>
+              <a:latin typeface="Arial Nova" panose="020B0504020202020204" pitchFamily="34" charset="0"/>
+            </a:endParaRPr>
+          </a:p>
+          <a:p>
+            <a:r>
+              <a:rPr lang="es-PE" sz="2000" b="1" dirty="0">
+                <a:solidFill>
+                  <a:schemeClr val="tx2">
+                    <a:lumMod val="50000"/>
+                  </a:schemeClr>
+                </a:solidFill>
+                <a:latin typeface="Arial Nova" panose="020B0504020202020204" pitchFamily="34" charset="0"/>
+              </a:rPr>
+              <a:t>PROGRAMACIÓN ORIENTADA A OBJETOS CON JAVA</a:t>
+            </a:r>
+          </a:p>
+          <a:p>
+            <a:r>
+              <a:rPr lang="es-PE" dirty="0">
+                <a:solidFill>
+                  <a:schemeClr val="tx1">
+                    <a:lumMod val="50000"/>
+                    <a:lumOff val="50000"/>
+                  </a:schemeClr>
+                </a:solidFill>
+                <a:latin typeface="Arial Nova" panose="020B0504020202020204" pitchFamily="34" charset="0"/>
+              </a:rPr>
+              <a:t>Aprende programación en capas, patrones y buenas prácticas</a:t>
+            </a:r>
+          </a:p>
+          <a:p>
+            <a:endParaRPr lang="es-PE" dirty="0">
+              <a:solidFill>
+                <a:schemeClr val="tx1">
+                  <a:lumMod val="50000"/>
+                  <a:lumOff val="50000"/>
+                </a:schemeClr>
+              </a:solidFill>
+              <a:latin typeface="Arial Nova" panose="020B0504020202020204" pitchFamily="34" charset="0"/>
+            </a:endParaRPr>
+          </a:p>
+          <a:p>
+            <a:r>
+              <a:rPr lang="es-PE" sz="2000" b="1" dirty="0">
+                <a:solidFill>
+                  <a:schemeClr val="tx2">
+                    <a:lumMod val="50000"/>
+                  </a:schemeClr>
+                </a:solidFill>
+                <a:latin typeface="Arial Nova" panose="020B0504020202020204" pitchFamily="34" charset="0"/>
+              </a:rPr>
+              <a:t>PROGRAMACIÓN DE BASE DE DATOS ORACLE CON PL/SQL</a:t>
+            </a:r>
+          </a:p>
+          <a:p>
+            <a:r>
+              <a:rPr lang="es-PE" dirty="0">
+                <a:solidFill>
+                  <a:schemeClr val="tx1">
+                    <a:lumMod val="50000"/>
+                    <a:lumOff val="50000"/>
+                  </a:schemeClr>
+                </a:solidFill>
+                <a:latin typeface="Arial Nova" panose="020B0504020202020204" pitchFamily="34" charset="0"/>
+              </a:rPr>
+              <a:t>Aprende a obtener el mejor rendimiento de tú base de datos</a:t>
+            </a:r>
+          </a:p>
+          <a:p>
+            <a:endParaRPr lang="es-PE" dirty="0">
+              <a:solidFill>
+                <a:schemeClr val="tx1">
+                  <a:lumMod val="50000"/>
+                  <a:lumOff val="50000"/>
+                </a:schemeClr>
+              </a:solidFill>
+              <a:latin typeface="Arial Nova" panose="020B0504020202020204" pitchFamily="34" charset="0"/>
+            </a:endParaRPr>
+          </a:p>
+          <a:p>
+            <a:r>
+              <a:rPr lang="es-PE" sz="2000" b="1" dirty="0">
+                <a:solidFill>
+                  <a:schemeClr val="tx2">
+                    <a:lumMod val="50000"/>
+                  </a:schemeClr>
+                </a:solidFill>
+                <a:latin typeface="Arial Nova" panose="020B0504020202020204" pitchFamily="34" charset="0"/>
+              </a:rPr>
+              <a:t>PROGRAMACIÓN DE BASE DE DATOS ORACLE CON JDBC</a:t>
+            </a:r>
+          </a:p>
+          <a:p>
+            <a:r>
+              <a:rPr lang="es-PE" dirty="0">
+                <a:solidFill>
+                  <a:schemeClr val="tx1">
+                    <a:lumMod val="50000"/>
+                    <a:lumOff val="50000"/>
+                  </a:schemeClr>
+                </a:solidFill>
+                <a:latin typeface="Arial Nova" panose="020B0504020202020204" pitchFamily="34" charset="0"/>
+              </a:rPr>
+              <a:t>Aprende a programar correctamente con JDBC</a:t>
+            </a:r>
+          </a:p>
+        </p:txBody>
+      </p:sp>
+      <p:pic>
+        <p:nvPicPr>
+          <p:cNvPr id="13" name="Imagen 12"/>
+          <p:cNvPicPr>
+            <a:picLocks noChangeAspect="1"/>
+          </p:cNvPicPr>
+          <p:nvPr/>
+        </p:nvPicPr>
+        <p:blipFill>
+          <a:blip r:embed="rId8"/>
+          <a:stretch>
+            <a:fillRect/>
+          </a:stretch>
+        </p:blipFill>
+        <p:spPr>
+          <a:xfrm>
+            <a:off x="500353" y="4112899"/>
+            <a:ext cx="3996678" cy="1205415"/>
+          </a:xfrm>
+          <a:prstGeom prst="rect">
+            <a:avLst/>
+          </a:prstGeom>
+        </p:spPr>
+      </p:pic>
+      <p:sp>
+        <p:nvSpPr>
+          <p:cNvPr id="14" name="CuadroTexto 13"/>
+          <p:cNvSpPr txBox="1"/>
+          <p:nvPr/>
+        </p:nvSpPr>
+        <p:spPr>
+          <a:xfrm>
+            <a:off x="154326" y="5719075"/>
+            <a:ext cx="4688732" cy="461665"/>
+          </a:xfrm>
+          <a:prstGeom prst="rect">
+            <a:avLst/>
+          </a:prstGeom>
+          <a:noFill/>
+        </p:spPr>
+        <p:txBody>
+          <a:bodyPr wrap="square" rtlCol="0">
+            <a:spAutoFit/>
+          </a:bodyPr>
+          <a:lstStyle/>
+          <a:p>
+            <a:pPr algn="ctr"/>
+            <a:r>
+              <a:rPr lang="es-PE" sz="2400" b="1" dirty="0">
+                <a:latin typeface="Arial Narrow" panose="020B0606020202030204" pitchFamily="34" charset="0"/>
+              </a:rPr>
+              <a:t>https://github.com/gcoronelc/UDEMY</a:t>
+            </a:r>
+          </a:p>
+        </p:txBody>
+      </p:sp>
+    </p:spTree>
+    <p:extLst>
+      <p:ext uri="{BB962C8B-B14F-4D97-AF65-F5344CB8AC3E}">
+        <p14:creationId xmlns:p14="http://schemas.microsoft.com/office/powerpoint/2010/main" val="2617104112"/>
+      </p:ext>
+    </p:extLst>
+  </p:cSld>
+  <p:clrMapOvr>
+    <a:masterClrMapping/>
+  </p:clrMapOvr>
 </p:sld>
 </file>
 

--- a/img/Presentacion.pptx
+++ b/img/Presentacion.pptx
@@ -244,7 +244,7 @@
           <a:p>
             <a:fld id="{DAD7010B-6E55-42B9-87CF-AE5FB3D69984}" type="datetimeFigureOut">
               <a:rPr lang="es-PE" smtClean="0"/>
-              <a:t>20/07/2020</a:t>
+              <a:t>3/08/2020</a:t>
             </a:fld>
             <a:endParaRPr lang="es-PE"/>
           </a:p>
@@ -414,7 +414,7 @@
           <a:p>
             <a:fld id="{DAD7010B-6E55-42B9-87CF-AE5FB3D69984}" type="datetimeFigureOut">
               <a:rPr lang="es-PE" smtClean="0"/>
-              <a:t>20/07/2020</a:t>
+              <a:t>3/08/2020</a:t>
             </a:fld>
             <a:endParaRPr lang="es-PE"/>
           </a:p>
@@ -594,7 +594,7 @@
           <a:p>
             <a:fld id="{DAD7010B-6E55-42B9-87CF-AE5FB3D69984}" type="datetimeFigureOut">
               <a:rPr lang="es-PE" smtClean="0"/>
-              <a:t>20/07/2020</a:t>
+              <a:t>3/08/2020</a:t>
             </a:fld>
             <a:endParaRPr lang="es-PE"/>
           </a:p>
@@ -764,7 +764,7 @@
           <a:p>
             <a:fld id="{DAD7010B-6E55-42B9-87CF-AE5FB3D69984}" type="datetimeFigureOut">
               <a:rPr lang="es-PE" smtClean="0"/>
-              <a:t>20/07/2020</a:t>
+              <a:t>3/08/2020</a:t>
             </a:fld>
             <a:endParaRPr lang="es-PE"/>
           </a:p>
@@ -1010,7 +1010,7 @@
           <a:p>
             <a:fld id="{DAD7010B-6E55-42B9-87CF-AE5FB3D69984}" type="datetimeFigureOut">
               <a:rPr lang="es-PE" smtClean="0"/>
-              <a:t>20/07/2020</a:t>
+              <a:t>3/08/2020</a:t>
             </a:fld>
             <a:endParaRPr lang="es-PE"/>
           </a:p>
@@ -1242,7 +1242,7 @@
           <a:p>
             <a:fld id="{DAD7010B-6E55-42B9-87CF-AE5FB3D69984}" type="datetimeFigureOut">
               <a:rPr lang="es-PE" smtClean="0"/>
-              <a:t>20/07/2020</a:t>
+              <a:t>3/08/2020</a:t>
             </a:fld>
             <a:endParaRPr lang="es-PE"/>
           </a:p>
@@ -1609,7 +1609,7 @@
           <a:p>
             <a:fld id="{DAD7010B-6E55-42B9-87CF-AE5FB3D69984}" type="datetimeFigureOut">
               <a:rPr lang="es-PE" smtClean="0"/>
-              <a:t>20/07/2020</a:t>
+              <a:t>3/08/2020</a:t>
             </a:fld>
             <a:endParaRPr lang="es-PE"/>
           </a:p>
@@ -1727,7 +1727,7 @@
           <a:p>
             <a:fld id="{DAD7010B-6E55-42B9-87CF-AE5FB3D69984}" type="datetimeFigureOut">
               <a:rPr lang="es-PE" smtClean="0"/>
-              <a:t>20/07/2020</a:t>
+              <a:t>3/08/2020</a:t>
             </a:fld>
             <a:endParaRPr lang="es-PE"/>
           </a:p>
@@ -1822,7 +1822,7 @@
           <a:p>
             <a:fld id="{DAD7010B-6E55-42B9-87CF-AE5FB3D69984}" type="datetimeFigureOut">
               <a:rPr lang="es-PE" smtClean="0"/>
-              <a:t>20/07/2020</a:t>
+              <a:t>3/08/2020</a:t>
             </a:fld>
             <a:endParaRPr lang="es-PE"/>
           </a:p>
@@ -2099,7 +2099,7 @@
           <a:p>
             <a:fld id="{DAD7010B-6E55-42B9-87CF-AE5FB3D69984}" type="datetimeFigureOut">
               <a:rPr lang="es-PE" smtClean="0"/>
-              <a:t>20/07/2020</a:t>
+              <a:t>3/08/2020</a:t>
             </a:fld>
             <a:endParaRPr lang="es-PE"/>
           </a:p>
@@ -2352,7 +2352,7 @@
           <a:p>
             <a:fld id="{DAD7010B-6E55-42B9-87CF-AE5FB3D69984}" type="datetimeFigureOut">
               <a:rPr lang="es-PE" smtClean="0"/>
-              <a:t>20/07/2020</a:t>
+              <a:t>3/08/2020</a:t>
             </a:fld>
             <a:endParaRPr lang="es-PE"/>
           </a:p>
@@ -2565,7 +2565,7 @@
           <a:p>
             <a:fld id="{DAD7010B-6E55-42B9-87CF-AE5FB3D69984}" type="datetimeFigureOut">
               <a:rPr lang="es-PE" smtClean="0"/>
-              <a:t>20/07/2020</a:t>
+              <a:t>3/08/2020</a:t>
             </a:fld>
             <a:endParaRPr lang="es-PE"/>
           </a:p>
@@ -3474,7 +3474,7 @@
         </p:blipFill>
         <p:spPr bwMode="auto">
           <a:xfrm>
-            <a:off x="1114978" y="349802"/>
+            <a:off x="1496767" y="556282"/>
             <a:ext cx="2513440" cy="2513440"/>
           </a:xfrm>
           <a:prstGeom prst="rect">
@@ -3514,7 +3514,7 @@
         </p:blipFill>
         <p:spPr>
           <a:xfrm>
-            <a:off x="733991" y="2863242"/>
+            <a:off x="1115780" y="3069722"/>
             <a:ext cx="3486637" cy="1028844"/>
           </a:xfrm>
           <a:prstGeom prst="rect">
@@ -3538,7 +3538,7 @@
         </p:blipFill>
         <p:spPr>
           <a:xfrm>
-            <a:off x="5983406" y="572959"/>
+            <a:off x="5864534" y="687999"/>
             <a:ext cx="1292848" cy="1260000"/>
           </a:xfrm>
           <a:prstGeom prst="rect">
@@ -3562,7 +3562,7 @@
         </p:blipFill>
         <p:spPr>
           <a:xfrm>
-            <a:off x="5877251" y="1890726"/>
+            <a:off x="5758379" y="2005766"/>
             <a:ext cx="1505158" cy="1260000"/>
           </a:xfrm>
           <a:prstGeom prst="rect">
@@ -3586,7 +3586,7 @@
         </p:blipFill>
         <p:spPr>
           <a:xfrm>
-            <a:off x="5945847" y="3306640"/>
+            <a:off x="5826975" y="3421680"/>
             <a:ext cx="1290118" cy="1260000"/>
           </a:xfrm>
           <a:prstGeom prst="rect">
@@ -3610,7 +3610,7 @@
         </p:blipFill>
         <p:spPr>
           <a:xfrm>
-            <a:off x="5768046" y="4689907"/>
+            <a:off x="5649174" y="4804947"/>
             <a:ext cx="1645719" cy="1260000"/>
           </a:xfrm>
           <a:prstGeom prst="rect">
@@ -3626,7 +3626,7 @@
         </p:nvSpPr>
         <p:spPr>
           <a:xfrm>
-            <a:off x="7782128" y="164976"/>
+            <a:off x="7663256" y="280016"/>
             <a:ext cx="3891063" cy="6297968"/>
           </a:xfrm>
           <a:prstGeom prst="rect">
@@ -3800,7 +3800,7 @@
         </p:blipFill>
         <p:spPr>
           <a:xfrm>
-            <a:off x="500353" y="4112899"/>
+            <a:off x="882142" y="4170412"/>
             <a:ext cx="3996678" cy="1205415"/>
           </a:xfrm>
           <a:prstGeom prst="rect">
@@ -3816,7 +3816,7 @@
         </p:nvSpPr>
         <p:spPr>
           <a:xfrm>
-            <a:off x="154326" y="5719075"/>
+            <a:off x="514732" y="5447673"/>
             <a:ext cx="4688732" cy="461665"/>
           </a:xfrm>
           <a:prstGeom prst="rect">
